--- a/brWheel_my/mcp4725_wiring_diagram.pptx
+++ b/brWheel_my/mcp4725_wiring_diagram.pptx
@@ -241,7 +241,7 @@
           <a:p>
             <a:fld id="{A398FB1A-F8C3-427F-BE44-B87966AC4D7F}" type="datetimeFigureOut">
               <a:rPr lang="en-US" smtClean="0"/>
-              <a:t>28-Apr-22</a:t>
+              <a:t>29-Apr-22</a:t>
             </a:fld>
             <a:endParaRPr lang="en-US"/>
           </a:p>
@@ -409,7 +409,7 @@
           <a:p>
             <a:fld id="{A398FB1A-F8C3-427F-BE44-B87966AC4D7F}" type="datetimeFigureOut">
               <a:rPr lang="en-US" smtClean="0"/>
-              <a:t>28-Apr-22</a:t>
+              <a:t>29-Apr-22</a:t>
             </a:fld>
             <a:endParaRPr lang="en-US"/>
           </a:p>
@@ -587,7 +587,7 @@
           <a:p>
             <a:fld id="{A398FB1A-F8C3-427F-BE44-B87966AC4D7F}" type="datetimeFigureOut">
               <a:rPr lang="en-US" smtClean="0"/>
-              <a:t>28-Apr-22</a:t>
+              <a:t>29-Apr-22</a:t>
             </a:fld>
             <a:endParaRPr lang="en-US"/>
           </a:p>
@@ -755,7 +755,7 @@
           <a:p>
             <a:fld id="{A398FB1A-F8C3-427F-BE44-B87966AC4D7F}" type="datetimeFigureOut">
               <a:rPr lang="en-US" smtClean="0"/>
-              <a:t>28-Apr-22</a:t>
+              <a:t>29-Apr-22</a:t>
             </a:fld>
             <a:endParaRPr lang="en-US"/>
           </a:p>
@@ -1000,7 +1000,7 @@
           <a:p>
             <a:fld id="{A398FB1A-F8C3-427F-BE44-B87966AC4D7F}" type="datetimeFigureOut">
               <a:rPr lang="en-US" smtClean="0"/>
-              <a:t>28-Apr-22</a:t>
+              <a:t>29-Apr-22</a:t>
             </a:fld>
             <a:endParaRPr lang="en-US"/>
           </a:p>
@@ -1229,7 +1229,7 @@
           <a:p>
             <a:fld id="{A398FB1A-F8C3-427F-BE44-B87966AC4D7F}" type="datetimeFigureOut">
               <a:rPr lang="en-US" smtClean="0"/>
-              <a:t>28-Apr-22</a:t>
+              <a:t>29-Apr-22</a:t>
             </a:fld>
             <a:endParaRPr lang="en-US"/>
           </a:p>
@@ -1593,7 +1593,7 @@
           <a:p>
             <a:fld id="{A398FB1A-F8C3-427F-BE44-B87966AC4D7F}" type="datetimeFigureOut">
               <a:rPr lang="en-US" smtClean="0"/>
-              <a:t>28-Apr-22</a:t>
+              <a:t>29-Apr-22</a:t>
             </a:fld>
             <a:endParaRPr lang="en-US"/>
           </a:p>
@@ -1710,7 +1710,7 @@
           <a:p>
             <a:fld id="{A398FB1A-F8C3-427F-BE44-B87966AC4D7F}" type="datetimeFigureOut">
               <a:rPr lang="en-US" smtClean="0"/>
-              <a:t>28-Apr-22</a:t>
+              <a:t>29-Apr-22</a:t>
             </a:fld>
             <a:endParaRPr lang="en-US"/>
           </a:p>
@@ -1805,7 +1805,7 @@
           <a:p>
             <a:fld id="{A398FB1A-F8C3-427F-BE44-B87966AC4D7F}" type="datetimeFigureOut">
               <a:rPr lang="en-US" smtClean="0"/>
-              <a:t>28-Apr-22</a:t>
+              <a:t>29-Apr-22</a:t>
             </a:fld>
             <a:endParaRPr lang="en-US"/>
           </a:p>
@@ -2080,7 +2080,7 @@
           <a:p>
             <a:fld id="{A398FB1A-F8C3-427F-BE44-B87966AC4D7F}" type="datetimeFigureOut">
               <a:rPr lang="en-US" smtClean="0"/>
-              <a:t>28-Apr-22</a:t>
+              <a:t>29-Apr-22</a:t>
             </a:fld>
             <a:endParaRPr lang="en-US"/>
           </a:p>
@@ -2332,7 +2332,7 @@
           <a:p>
             <a:fld id="{A398FB1A-F8C3-427F-BE44-B87966AC4D7F}" type="datetimeFigureOut">
               <a:rPr lang="en-US" smtClean="0"/>
-              <a:t>28-Apr-22</a:t>
+              <a:t>29-Apr-22</a:t>
             </a:fld>
             <a:endParaRPr lang="en-US"/>
           </a:p>
@@ -2543,7 +2543,7 @@
           <a:p>
             <a:fld id="{A398FB1A-F8C3-427F-BE44-B87966AC4D7F}" type="datetimeFigureOut">
               <a:rPr lang="en-US" smtClean="0"/>
-              <a:t>28-Apr-22</a:t>
+              <a:t>29-Apr-22</a:t>
             </a:fld>
             <a:endParaRPr lang="en-US"/>
           </a:p>
@@ -3256,11 +3256,7 @@
           <a:p>
             <a:r>
               <a:rPr lang="en-US" dirty="0" smtClean="0"/>
-              <a:t>external </a:t>
-            </a:r>
-            <a:r>
-              <a:rPr lang="en-US" dirty="0" smtClean="0"/>
-              <a:t>i</a:t>
+              <a:t>external i</a:t>
             </a:r>
             <a:r>
               <a:rPr lang="en-US" baseline="30000" dirty="0" smtClean="0"/>
@@ -3268,13 +3264,8 @@
             </a:r>
             <a:r>
               <a:rPr lang="en-US" dirty="0" smtClean="0"/>
-              <a:t>C 12bit </a:t>
-            </a:r>
-            <a:r>
-              <a:rPr lang="en-US" dirty="0" smtClean="0"/>
-              <a:t>DAC</a:t>
-            </a:r>
-            <a:endParaRPr lang="en-US" dirty="0" smtClean="0"/>
+              <a:t>C 12bit DAC</a:t>
+            </a:r>
           </a:p>
         </p:txBody>
       </p:sp>
@@ -3303,23 +3294,7 @@
             <a:pPr algn="ctr"/>
             <a:r>
               <a:rPr lang="en-US" dirty="0" smtClean="0"/>
-              <a:t>Wiring diagram for external </a:t>
-            </a:r>
-            <a:r>
-              <a:rPr lang="en-US" dirty="0" smtClean="0"/>
-              <a:t>DAC’s </a:t>
-            </a:r>
-            <a:r>
-              <a:rPr lang="en-US" dirty="0" smtClean="0"/>
-              <a:t>(only valid for </a:t>
-            </a:r>
-            <a:r>
-              <a:rPr lang="en-US" dirty="0" smtClean="0"/>
-              <a:t>firmware fw</a:t>
-            </a:r>
-            <a:r>
-              <a:rPr lang="en-US" dirty="0" smtClean="0"/>
-              <a:t>-vXX3, in DAC± mode)</a:t>
+              <a:t>Wiring diagram for external DAC’s (only valid for firmware fw-vXX3, in DAC± mode)</a:t>
             </a:r>
             <a:endParaRPr lang="en-US" dirty="0"/>
           </a:p>
@@ -3359,7 +3334,6 @@
               <a:rPr lang="en-US" dirty="0" smtClean="0"/>
               <a:t>MCP4725</a:t>
             </a:r>
-            <a:endParaRPr lang="en-US" dirty="0" smtClean="0"/>
           </a:p>
           <a:p>
             <a:r>
@@ -3461,15 +3435,7 @@
             </a:r>
             <a:r>
               <a:rPr lang="en-US" sz="1400" i="1" dirty="0" smtClean="0"/>
-              <a:t>C </a:t>
-            </a:r>
-            <a:r>
-              <a:rPr lang="en-US" sz="1400" i="1" dirty="0" smtClean="0"/>
-              <a:t>address </a:t>
-            </a:r>
-            <a:r>
-              <a:rPr lang="en-US" sz="1400" i="1" dirty="0" smtClean="0"/>
-              <a:t>0x60 is for left force</a:t>
+              <a:t>C address 0x60 is for left force</a:t>
             </a:r>
           </a:p>
           <a:p>
@@ -3477,7 +3443,6 @@
               <a:rPr lang="en-US" sz="1400" i="1" dirty="0" smtClean="0"/>
               <a:t>DAC1 - ADDR pin to VCC</a:t>
             </a:r>
-            <a:endParaRPr lang="en-US" sz="1400" i="1" dirty="0" smtClean="0"/>
           </a:p>
           <a:p>
             <a:r>
@@ -4083,7 +4048,7 @@
         </p:nvSpPr>
         <p:spPr>
           <a:xfrm>
-            <a:off x="8012823" y="1999117"/>
+            <a:off x="8003214" y="2654717"/>
             <a:ext cx="300082" cy="369332"/>
           </a:xfrm>
           <a:prstGeom prst="rect">
@@ -4113,7 +4078,7 @@
         </p:nvSpPr>
         <p:spPr>
           <a:xfrm>
-            <a:off x="8029601" y="2614987"/>
+            <a:off x="8006980" y="1946741"/>
             <a:ext cx="279244" cy="461665"/>
           </a:xfrm>
           <a:prstGeom prst="rect">
@@ -5031,7 +4996,7 @@
         </p:nvCxnSpPr>
         <p:spPr>
           <a:xfrm>
-            <a:off x="5262259" y="2172022"/>
+            <a:off x="5264013" y="2842857"/>
             <a:ext cx="1925385" cy="3372"/>
           </a:xfrm>
           <a:prstGeom prst="line">
@@ -5068,8 +5033,8 @@
         </p:nvCxnSpPr>
         <p:spPr>
           <a:xfrm>
-            <a:off x="5279037" y="2172022"/>
-            <a:ext cx="0" cy="1445719"/>
+            <a:off x="5266500" y="2826938"/>
+            <a:ext cx="2120" cy="798414"/>
           </a:xfrm>
           <a:prstGeom prst="line">
             <a:avLst/>
@@ -5142,8 +5107,8 @@
         </p:nvCxnSpPr>
         <p:spPr>
           <a:xfrm flipH="1">
-            <a:off x="5123781" y="2845819"/>
-            <a:ext cx="1118" cy="1815579"/>
+            <a:off x="5115393" y="2183782"/>
+            <a:ext cx="12183" cy="2502783"/>
           </a:xfrm>
           <a:prstGeom prst="line">
             <a:avLst/>
@@ -5172,14 +5137,12 @@
       <p:cxnSp>
         <p:nvCxnSpPr>
           <p:cNvPr id="160" name="Straight Connector 159"/>
-          <p:cNvCxnSpPr>
-            <a:stCxn id="105" idx="1"/>
-          </p:cNvCxnSpPr>
+          <p:cNvCxnSpPr/>
           <p:nvPr/>
         </p:nvCxnSpPr>
         <p:spPr>
           <a:xfrm flipH="1" flipV="1">
-            <a:off x="5124899" y="2853335"/>
+            <a:off x="5118264" y="2181600"/>
             <a:ext cx="2062745" cy="1"/>
           </a:xfrm>
           <a:prstGeom prst="line">
